--- a/GrannyWatcherWithScreenshots.pptx
+++ b/GrannyWatcherWithScreenshots.pptx
@@ -15,7 +15,8 @@
     <p:sldId id="266" r:id="rId9"/>
     <p:sldId id="267" r:id="rId10"/>
     <p:sldId id="268" r:id="rId11"/>
-    <p:sldId id="262" r:id="rId12"/>
+    <p:sldId id="269" r:id="rId12"/>
+    <p:sldId id="262" r:id="rId13"/>
   </p:sldIdLst>
   <p:sldSz cx="12192000" cy="6858000"/>
   <p:notesSz cx="6858000" cy="9144000"/>
@@ -268,7 +269,7 @@
           <a:p>
             <a:fld id="{D3617F23-B3A0-924A-97D6-10E8DCDBF633}" type="datetimeFigureOut">
               <a:rPr lang="nl-NL" smtClean="0"/>
-              <a:t>25-6-2017</a:t>
+              <a:t>28-6-2017</a:t>
             </a:fld>
             <a:endParaRPr lang="nl-NL"/>
           </a:p>
@@ -438,7 +439,7 @@
           <a:p>
             <a:fld id="{D3617F23-B3A0-924A-97D6-10E8DCDBF633}" type="datetimeFigureOut">
               <a:rPr lang="nl-NL" smtClean="0"/>
-              <a:t>25-6-2017</a:t>
+              <a:t>28-6-2017</a:t>
             </a:fld>
             <a:endParaRPr lang="nl-NL"/>
           </a:p>
@@ -618,7 +619,7 @@
           <a:p>
             <a:fld id="{D3617F23-B3A0-924A-97D6-10E8DCDBF633}" type="datetimeFigureOut">
               <a:rPr lang="nl-NL" smtClean="0"/>
-              <a:t>25-6-2017</a:t>
+              <a:t>28-6-2017</a:t>
             </a:fld>
             <a:endParaRPr lang="nl-NL"/>
           </a:p>
@@ -788,7 +789,7 @@
           <a:p>
             <a:fld id="{D3617F23-B3A0-924A-97D6-10E8DCDBF633}" type="datetimeFigureOut">
               <a:rPr lang="nl-NL" smtClean="0"/>
-              <a:t>25-6-2017</a:t>
+              <a:t>28-6-2017</a:t>
             </a:fld>
             <a:endParaRPr lang="nl-NL"/>
           </a:p>
@@ -1034,7 +1035,7 @@
           <a:p>
             <a:fld id="{D3617F23-B3A0-924A-97D6-10E8DCDBF633}" type="datetimeFigureOut">
               <a:rPr lang="nl-NL" smtClean="0"/>
-              <a:t>25-6-2017</a:t>
+              <a:t>28-6-2017</a:t>
             </a:fld>
             <a:endParaRPr lang="nl-NL"/>
           </a:p>
@@ -1266,7 +1267,7 @@
           <a:p>
             <a:fld id="{D3617F23-B3A0-924A-97D6-10E8DCDBF633}" type="datetimeFigureOut">
               <a:rPr lang="nl-NL" smtClean="0"/>
-              <a:t>25-6-2017</a:t>
+              <a:t>28-6-2017</a:t>
             </a:fld>
             <a:endParaRPr lang="nl-NL"/>
           </a:p>
@@ -1633,7 +1634,7 @@
           <a:p>
             <a:fld id="{D3617F23-B3A0-924A-97D6-10E8DCDBF633}" type="datetimeFigureOut">
               <a:rPr lang="nl-NL" smtClean="0"/>
-              <a:t>25-6-2017</a:t>
+              <a:t>28-6-2017</a:t>
             </a:fld>
             <a:endParaRPr lang="nl-NL"/>
           </a:p>
@@ -1751,7 +1752,7 @@
           <a:p>
             <a:fld id="{D3617F23-B3A0-924A-97D6-10E8DCDBF633}" type="datetimeFigureOut">
               <a:rPr lang="nl-NL" smtClean="0"/>
-              <a:t>25-6-2017</a:t>
+              <a:t>28-6-2017</a:t>
             </a:fld>
             <a:endParaRPr lang="nl-NL"/>
           </a:p>
@@ -1846,7 +1847,7 @@
           <a:p>
             <a:fld id="{D3617F23-B3A0-924A-97D6-10E8DCDBF633}" type="datetimeFigureOut">
               <a:rPr lang="nl-NL" smtClean="0"/>
-              <a:t>25-6-2017</a:t>
+              <a:t>28-6-2017</a:t>
             </a:fld>
             <a:endParaRPr lang="nl-NL"/>
           </a:p>
@@ -2123,7 +2124,7 @@
           <a:p>
             <a:fld id="{D3617F23-B3A0-924A-97D6-10E8DCDBF633}" type="datetimeFigureOut">
               <a:rPr lang="nl-NL" smtClean="0"/>
-              <a:t>25-6-2017</a:t>
+              <a:t>28-6-2017</a:t>
             </a:fld>
             <a:endParaRPr lang="nl-NL"/>
           </a:p>
@@ -2376,7 +2377,7 @@
           <a:p>
             <a:fld id="{D3617F23-B3A0-924A-97D6-10E8DCDBF633}" type="datetimeFigureOut">
               <a:rPr lang="nl-NL" smtClean="0"/>
-              <a:t>25-6-2017</a:t>
+              <a:t>28-6-2017</a:t>
             </a:fld>
             <a:endParaRPr lang="nl-NL"/>
           </a:p>
@@ -2589,7 +2590,7 @@
           <a:p>
             <a:fld id="{D3617F23-B3A0-924A-97D6-10E8DCDBF633}" type="datetimeFigureOut">
               <a:rPr lang="nl-NL" smtClean="0"/>
-              <a:t>25-6-2017</a:t>
+              <a:t>28-6-2017</a:t>
             </a:fld>
             <a:endParaRPr lang="nl-NL"/>
           </a:p>
@@ -3178,6 +3179,65 @@
       </p:grpSpPr>
       <p:sp>
         <p:nvSpPr>
+          <p:cNvPr id="2" name="Title 1">
+            <a:extLst>
+              <a:ext uri="{FF2B5EF4-FFF2-40B4-BE49-F238E27FC236}">
+                <a16:creationId xmlns:a16="http://schemas.microsoft.com/office/drawing/2014/main" id="{67CE8211-3590-4EF2-8BA2-DF1F8F0C70B5}"/>
+              </a:ext>
+            </a:extLst>
+          </p:cNvPr>
+          <p:cNvSpPr>
+            <a:spLocks noGrp="1"/>
+          </p:cNvSpPr>
+          <p:nvPr>
+            <p:ph type="title"/>
+          </p:nvPr>
+        </p:nvSpPr>
+        <p:spPr/>
+        <p:txBody>
+          <a:bodyPr/>
+          <a:lstStyle/>
+          <a:p>
+            <a:r>
+              <a:rPr lang="en-US" dirty="0" err="1"/>
+              <a:t>Conclusie</a:t>
+            </a:r>
+            <a:endParaRPr lang="nl-NL" dirty="0"/>
+          </a:p>
+        </p:txBody>
+      </p:sp>
+    </p:spTree>
+    <p:extLst>
+      <p:ext uri="{BB962C8B-B14F-4D97-AF65-F5344CB8AC3E}">
+        <p14:creationId xmlns:p14="http://schemas.microsoft.com/office/powerpoint/2010/main" val="1155906615"/>
+      </p:ext>
+    </p:extLst>
+  </p:cSld>
+  <p:clrMapOvr>
+    <a:masterClrMapping/>
+  </p:clrMapOvr>
+</p:sld>
+</file>
+
+<file path=ppt/slides/slide12.xml><?xml version="1.0" encoding="utf-8"?>
+<p:sld xmlns:a="http://schemas.openxmlformats.org/drawingml/2006/main" xmlns:r="http://schemas.openxmlformats.org/officeDocument/2006/relationships" xmlns:p="http://schemas.openxmlformats.org/presentationml/2006/main">
+  <p:cSld>
+    <p:spTree>
+      <p:nvGrpSpPr>
+        <p:cNvPr id="1" name=""/>
+        <p:cNvGrpSpPr/>
+        <p:nvPr/>
+      </p:nvGrpSpPr>
+      <p:grpSpPr>
+        <a:xfrm>
+          <a:off x="0" y="0"/>
+          <a:ext cx="0" cy="0"/>
+          <a:chOff x="0" y="0"/>
+          <a:chExt cx="0" cy="0"/>
+        </a:xfrm>
+      </p:grpSpPr>
+      <p:sp>
+        <p:nvSpPr>
           <p:cNvPr id="230402" name="Rectangle 2"/>
           <p:cNvSpPr>
             <a:spLocks noGrp="1" noChangeArrowheads="1"/>
@@ -3307,7 +3367,7 @@
             <a:effectLst/>
             <a:extLst>
               <a:ext uri="{AF507438-7753-43e0-B8FC-AC1667EBCBE1}">
-                <a14:hiddenEffects xmlns="" xmlns:a14="http://schemas.microsoft.com/office/drawing/2010/main">
+                <a14:hiddenEffects xmlns:a14="http://schemas.microsoft.com/office/drawing/2010/main" xmlns="">
                   <a:effectLst>
                     <a:outerShdw dist="35921" dir="2700000" algn="ctr" rotWithShape="0">
                       <a:schemeClr val="bg2"/>
@@ -3472,7 +3532,7 @@
               <a:effectLst/>
               <a:extLst>
                 <a:ext uri="{91240B29-F687-4f45-9708-019B960494DF}">
-                  <a14:hiddenLine xmlns="" xmlns:a14="http://schemas.microsoft.com/office/drawing/2010/main" w="9525" cap="rnd">
+                  <a14:hiddenLine xmlns:a14="http://schemas.microsoft.com/office/drawing/2010/main" xmlns="" w="9525" cap="rnd">
                     <a:solidFill>
                       <a:schemeClr val="tx1"/>
                     </a:solidFill>
@@ -3482,7 +3542,7 @@
                   </a14:hiddenLine>
                 </a:ext>
                 <a:ext uri="{AF507438-7753-43e0-B8FC-AC1667EBCBE1}">
-                  <a14:hiddenEffects xmlns="" xmlns:a14="http://schemas.microsoft.com/office/drawing/2010/main">
+                  <a14:hiddenEffects xmlns:a14="http://schemas.microsoft.com/office/drawing/2010/main" xmlns="">
                     <a:effectLst>
                       <a:outerShdw dist="35921" dir="2700000" algn="ctr" rotWithShape="0">
                         <a:schemeClr val="bg2"/>
@@ -3631,7 +3691,7 @@
               <a:effectLst/>
               <a:extLst>
                 <a:ext uri="{91240B29-F687-4f45-9708-019B960494DF}">
-                  <a14:hiddenLine xmlns="" xmlns:a14="http://schemas.microsoft.com/office/drawing/2010/main" w="9525" cap="rnd">
+                  <a14:hiddenLine xmlns:a14="http://schemas.microsoft.com/office/drawing/2010/main" xmlns="" w="9525" cap="rnd">
                     <a:solidFill>
                       <a:schemeClr val="tx1"/>
                     </a:solidFill>
@@ -3641,7 +3701,7 @@
                   </a14:hiddenLine>
                 </a:ext>
                 <a:ext uri="{AF507438-7753-43e0-B8FC-AC1667EBCBE1}">
-                  <a14:hiddenEffects xmlns="" xmlns:a14="http://schemas.microsoft.com/office/drawing/2010/main">
+                  <a14:hiddenEffects xmlns:a14="http://schemas.microsoft.com/office/drawing/2010/main" xmlns="">
                     <a:effectLst>
                       <a:outerShdw dist="35921" dir="2700000" algn="ctr" rotWithShape="0">
                         <a:schemeClr val="bg2"/>
@@ -3790,7 +3850,7 @@
               <a:effectLst/>
               <a:extLst>
                 <a:ext uri="{91240B29-F687-4f45-9708-019B960494DF}">
-                  <a14:hiddenLine xmlns="" xmlns:a14="http://schemas.microsoft.com/office/drawing/2010/main" w="9525" cap="rnd">
+                  <a14:hiddenLine xmlns:a14="http://schemas.microsoft.com/office/drawing/2010/main" xmlns="" w="9525" cap="rnd">
                     <a:solidFill>
                       <a:schemeClr val="tx1"/>
                     </a:solidFill>
@@ -3800,7 +3860,7 @@
                   </a14:hiddenLine>
                 </a:ext>
                 <a:ext uri="{AF507438-7753-43e0-B8FC-AC1667EBCBE1}">
-                  <a14:hiddenEffects xmlns="" xmlns:a14="http://schemas.microsoft.com/office/drawing/2010/main">
+                  <a14:hiddenEffects xmlns:a14="http://schemas.microsoft.com/office/drawing/2010/main" xmlns="">
                     <a:effectLst>
                       <a:outerShdw dist="35921" dir="2700000" algn="ctr" rotWithShape="0">
                         <a:schemeClr val="bg2"/>
@@ -3949,7 +4009,7 @@
               <a:effectLst/>
               <a:extLst>
                 <a:ext uri="{91240B29-F687-4f45-9708-019B960494DF}">
-                  <a14:hiddenLine xmlns="" xmlns:a14="http://schemas.microsoft.com/office/drawing/2010/main" w="9525" cap="rnd">
+                  <a14:hiddenLine xmlns:a14="http://schemas.microsoft.com/office/drawing/2010/main" xmlns="" w="9525" cap="rnd">
                     <a:solidFill>
                       <a:schemeClr val="tx1"/>
                     </a:solidFill>
@@ -3959,7 +4019,7 @@
                   </a14:hiddenLine>
                 </a:ext>
                 <a:ext uri="{AF507438-7753-43e0-B8FC-AC1667EBCBE1}">
-                  <a14:hiddenEffects xmlns="" xmlns:a14="http://schemas.microsoft.com/office/drawing/2010/main">
+                  <a14:hiddenEffects xmlns:a14="http://schemas.microsoft.com/office/drawing/2010/main" xmlns="">
                     <a:effectLst>
                       <a:outerShdw dist="35921" dir="2700000" algn="ctr" rotWithShape="0">
                         <a:schemeClr val="bg2"/>
@@ -4388,7 +4448,7 @@
                   <a:effectLst/>
                   <a:extLst>
                     <a:ext uri="{AF507438-7753-43e0-B8FC-AC1667EBCBE1}">
-                      <a14:hiddenEffects xmlns="" xmlns:a14="http://schemas.microsoft.com/office/drawing/2010/main">
+                      <a14:hiddenEffects xmlns:a14="http://schemas.microsoft.com/office/drawing/2010/main" xmlns="">
                         <a:effectLst>
                           <a:outerShdw dist="35921" dir="2700000" algn="ctr" rotWithShape="0">
                             <a:schemeClr val="bg2"/>
@@ -4431,7 +4491,7 @@
                   <a:effectLst/>
                   <a:extLst>
                     <a:ext uri="{91240B29-F687-4f45-9708-019B960494DF}">
-                      <a14:hiddenLine xmlns="" xmlns:a14="http://schemas.microsoft.com/office/drawing/2010/main" w="9525">
+                      <a14:hiddenLine xmlns:a14="http://schemas.microsoft.com/office/drawing/2010/main" xmlns="" w="9525">
                         <a:solidFill>
                           <a:schemeClr val="tx1"/>
                         </a:solidFill>
@@ -4441,7 +4501,7 @@
                       </a14:hiddenLine>
                     </a:ext>
                     <a:ext uri="{AF507438-7753-43e0-B8FC-AC1667EBCBE1}">
-                      <a14:hiddenEffects xmlns="" xmlns:a14="http://schemas.microsoft.com/office/drawing/2010/main">
+                      <a14:hiddenEffects xmlns:a14="http://schemas.microsoft.com/office/drawing/2010/main" xmlns="">
                         <a:effectLst>
                           <a:outerShdw dist="35921" dir="2700000" algn="ctr" rotWithShape="0">
                             <a:schemeClr val="bg2"/>
@@ -4506,7 +4566,7 @@
                   <a:effectLst/>
                   <a:extLst>
                     <a:ext uri="{AF507438-7753-43e0-B8FC-AC1667EBCBE1}">
-                      <a14:hiddenEffects xmlns="" xmlns:a14="http://schemas.microsoft.com/office/drawing/2010/main">
+                      <a14:hiddenEffects xmlns:a14="http://schemas.microsoft.com/office/drawing/2010/main" xmlns="">
                         <a:effectLst>
                           <a:outerShdw dist="35921" dir="2700000" algn="ctr" rotWithShape="0">
                             <a:schemeClr val="bg2"/>
@@ -4709,7 +4769,7 @@
                   <a:effectLst/>
                   <a:extLst>
                     <a:ext uri="{AF507438-7753-43e0-B8FC-AC1667EBCBE1}">
-                      <a14:hiddenEffects xmlns="" xmlns:a14="http://schemas.microsoft.com/office/drawing/2010/main">
+                      <a14:hiddenEffects xmlns:a14="http://schemas.microsoft.com/office/drawing/2010/main" xmlns="">
                         <a:effectLst>
                           <a:outerShdw dist="35921" dir="2700000" algn="ctr" rotWithShape="0">
                             <a:schemeClr val="bg2"/>
@@ -4824,7 +4884,7 @@
                   <a:effectLst/>
                   <a:extLst>
                     <a:ext uri="{AF507438-7753-43e0-B8FC-AC1667EBCBE1}">
-                      <a14:hiddenEffects xmlns="" xmlns:a14="http://schemas.microsoft.com/office/drawing/2010/main">
+                      <a14:hiddenEffects xmlns:a14="http://schemas.microsoft.com/office/drawing/2010/main" xmlns="">
                         <a:effectLst>
                           <a:outerShdw dist="35921" dir="2700000" algn="ctr" rotWithShape="0">
                             <a:schemeClr val="bg2"/>
@@ -4939,7 +4999,7 @@
                   <a:effectLst/>
                   <a:extLst>
                     <a:ext uri="{AF507438-7753-43e0-B8FC-AC1667EBCBE1}">
-                      <a14:hiddenEffects xmlns="" xmlns:a14="http://schemas.microsoft.com/office/drawing/2010/main">
+                      <a14:hiddenEffects xmlns:a14="http://schemas.microsoft.com/office/drawing/2010/main" xmlns="">
                         <a:effectLst>
                           <a:outerShdw dist="35921" dir="2700000" algn="ctr" rotWithShape="0">
                             <a:schemeClr val="bg2"/>
@@ -5062,7 +5122,7 @@
                   <a:effectLst/>
                   <a:extLst>
                     <a:ext uri="{AF507438-7753-43e0-B8FC-AC1667EBCBE1}">
-                      <a14:hiddenEffects xmlns="" xmlns:a14="http://schemas.microsoft.com/office/drawing/2010/main">
+                      <a14:hiddenEffects xmlns:a14="http://schemas.microsoft.com/office/drawing/2010/main" xmlns="">
                         <a:effectLst>
                           <a:outerShdw dist="35921" dir="2700000" algn="ctr" rotWithShape="0">
                             <a:schemeClr val="bg2"/>
@@ -5177,7 +5237,7 @@
                   <a:effectLst/>
                   <a:extLst>
                     <a:ext uri="{AF507438-7753-43e0-B8FC-AC1667EBCBE1}">
-                      <a14:hiddenEffects xmlns="" xmlns:a14="http://schemas.microsoft.com/office/drawing/2010/main">
+                      <a14:hiddenEffects xmlns:a14="http://schemas.microsoft.com/office/drawing/2010/main" xmlns="">
                         <a:effectLst>
                           <a:outerShdw dist="35921" dir="2700000" algn="ctr" rotWithShape="0">
                             <a:schemeClr val="bg2"/>
@@ -5486,7 +5546,7 @@
                 <a:effectLst/>
                 <a:extLst>
                   <a:ext uri="{AF507438-7753-43e0-B8FC-AC1667EBCBE1}">
-                    <a14:hiddenEffects xmlns="" xmlns:a14="http://schemas.microsoft.com/office/drawing/2010/main">
+                    <a14:hiddenEffects xmlns:a14="http://schemas.microsoft.com/office/drawing/2010/main" xmlns="">
                       <a:effectLst>
                         <a:outerShdw dist="35921" dir="2700000" algn="ctr" rotWithShape="0">
                           <a:schemeClr val="bg2"/>
@@ -5532,12 +5592,12 @@
                 <a:effectLst/>
                 <a:extLst>
                   <a:ext uri="{909E8E84-426E-40dd-AFC4-6F175D3DCCD1}">
-                    <a14:hiddenFill xmlns="" xmlns:a14="http://schemas.microsoft.com/office/drawing/2010/main">
+                    <a14:hiddenFill xmlns:a14="http://schemas.microsoft.com/office/drawing/2010/main" xmlns="">
                       <a:noFill/>
                     </a14:hiddenFill>
                   </a:ext>
                   <a:ext uri="{AF507438-7753-43e0-B8FC-AC1667EBCBE1}">
-                    <a14:hiddenEffects xmlns="" xmlns:a14="http://schemas.microsoft.com/office/drawing/2010/main">
+                    <a14:hiddenEffects xmlns:a14="http://schemas.microsoft.com/office/drawing/2010/main" xmlns="">
                       <a:effectLst>
                         <a:outerShdw dist="35921" dir="2700000" algn="ctr" rotWithShape="0">
                           <a:schemeClr val="bg2"/>
@@ -5637,7 +5697,7 @@
               <a:effectLst/>
               <a:extLst>
                 <a:ext uri="{AF507438-7753-43e0-B8FC-AC1667EBCBE1}">
-                  <a14:hiddenEffects xmlns="" xmlns:a14="http://schemas.microsoft.com/office/drawing/2010/main">
+                  <a14:hiddenEffects xmlns:a14="http://schemas.microsoft.com/office/drawing/2010/main" xmlns="">
                     <a:effectLst>
                       <a:outerShdw dist="35921" dir="2700000" algn="ctr" rotWithShape="0">
                         <a:schemeClr val="bg2"/>
@@ -5833,7 +5893,7 @@
                 <a:effectLst/>
                 <a:extLst>
                   <a:ext uri="{AF507438-7753-43e0-B8FC-AC1667EBCBE1}">
-                    <a14:hiddenEffects xmlns="" xmlns:a14="http://schemas.microsoft.com/office/drawing/2010/main">
+                    <a14:hiddenEffects xmlns:a14="http://schemas.microsoft.com/office/drawing/2010/main" xmlns="">
                       <a:effectLst>
                         <a:outerShdw dist="35921" dir="2700000" algn="ctr" rotWithShape="0">
                           <a:schemeClr val="bg2"/>
@@ -5879,12 +5939,12 @@
                 <a:effectLst/>
                 <a:extLst>
                   <a:ext uri="{909E8E84-426E-40dd-AFC4-6F175D3DCCD1}">
-                    <a14:hiddenFill xmlns="" xmlns:a14="http://schemas.microsoft.com/office/drawing/2010/main">
+                    <a14:hiddenFill xmlns:a14="http://schemas.microsoft.com/office/drawing/2010/main" xmlns="">
                       <a:noFill/>
                     </a14:hiddenFill>
                   </a:ext>
                   <a:ext uri="{AF507438-7753-43e0-B8FC-AC1667EBCBE1}">
-                    <a14:hiddenEffects xmlns="" xmlns:a14="http://schemas.microsoft.com/office/drawing/2010/main">
+                    <a14:hiddenEffects xmlns:a14="http://schemas.microsoft.com/office/drawing/2010/main" xmlns="">
                       <a:effectLst>
                         <a:outerShdw dist="35921" dir="2700000" algn="ctr" rotWithShape="0">
                           <a:schemeClr val="bg2"/>
@@ -6056,7 +6116,7 @@
                 <a:effectLst/>
                 <a:extLst>
                   <a:ext uri="{AF507438-7753-43e0-B8FC-AC1667EBCBE1}">
-                    <a14:hiddenEffects xmlns="" xmlns:a14="http://schemas.microsoft.com/office/drawing/2010/main">
+                    <a14:hiddenEffects xmlns:a14="http://schemas.microsoft.com/office/drawing/2010/main" xmlns="">
                       <a:effectLst>
                         <a:outerShdw dist="35921" dir="2700000" algn="ctr" rotWithShape="0">
                           <a:schemeClr val="bg2"/>
@@ -6155,7 +6215,7 @@
                 <a:effectLst/>
                 <a:extLst>
                   <a:ext uri="{AF507438-7753-43e0-B8FC-AC1667EBCBE1}">
-                    <a14:hiddenEffects xmlns="" xmlns:a14="http://schemas.microsoft.com/office/drawing/2010/main">
+                    <a14:hiddenEffects xmlns:a14="http://schemas.microsoft.com/office/drawing/2010/main" xmlns="">
                       <a:effectLst>
                         <a:outerShdw dist="35921" dir="2700000" algn="ctr" rotWithShape="0">
                           <a:schemeClr val="bg2"/>
@@ -6377,7 +6437,7 @@
             <a:effectLst/>
             <a:extLst>
               <a:ext uri="{AF507438-7753-43e0-B8FC-AC1667EBCBE1}">
-                <a14:hiddenEffects xmlns="" xmlns:a14="http://schemas.microsoft.com/office/drawing/2010/main">
+                <a14:hiddenEffects xmlns:a14="http://schemas.microsoft.com/office/drawing/2010/main" xmlns="">
                   <a:effectLst>
                     <a:outerShdw dist="35921" dir="2700000" algn="ctr" rotWithShape="0">
                       <a:schemeClr val="bg2"/>
@@ -6490,14 +6550,14 @@
             <a:effectLst/>
             <a:extLst>
               <a:ext uri="{909E8E84-426E-40dd-AFC4-6F175D3DCCD1}">
-                <a14:hiddenFill xmlns="" xmlns:a14="http://schemas.microsoft.com/office/drawing/2010/main">
+                <a14:hiddenFill xmlns:a14="http://schemas.microsoft.com/office/drawing/2010/main" xmlns="">
                   <a:solidFill>
                     <a:schemeClr val="accent1"/>
                   </a:solidFill>
                 </a14:hiddenFill>
               </a:ext>
               <a:ext uri="{AF507438-7753-43e0-B8FC-AC1667EBCBE1}">
-                <a14:hiddenEffects xmlns="" xmlns:a14="http://schemas.microsoft.com/office/drawing/2010/main">
+                <a14:hiddenEffects xmlns:a14="http://schemas.microsoft.com/office/drawing/2010/main" xmlns="">
                   <a:effectLst>
                     <a:outerShdw dist="35921" dir="2700000" algn="ctr" rotWithShape="0">
                       <a:schemeClr val="bg2"/>
@@ -7037,7 +7097,7 @@
               <a:effectLst/>
               <a:extLst>
                 <a:ext uri="{AF507438-7753-43e0-B8FC-AC1667EBCBE1}">
-                  <a14:hiddenEffects xmlns="" xmlns:a14="http://schemas.microsoft.com/office/drawing/2010/main">
+                  <a14:hiddenEffects xmlns:a14="http://schemas.microsoft.com/office/drawing/2010/main" xmlns="">
                     <a:effectLst>
                       <a:outerShdw dist="35921" dir="2700000" algn="ctr" rotWithShape="0">
                         <a:schemeClr val="bg2"/>
@@ -7426,7 +7486,7 @@
               <a:effectLst/>
               <a:extLst>
                 <a:ext uri="{91240B29-F687-4f45-9708-019B960494DF}">
-                  <a14:hiddenLine xmlns="" xmlns:a14="http://schemas.microsoft.com/office/drawing/2010/main" w="9525" cap="rnd">
+                  <a14:hiddenLine xmlns:a14="http://schemas.microsoft.com/office/drawing/2010/main" xmlns="" w="9525" cap="rnd">
                     <a:solidFill>
                       <a:schemeClr val="tx1"/>
                     </a:solidFill>
@@ -7436,7 +7496,7 @@
                   </a14:hiddenLine>
                 </a:ext>
                 <a:ext uri="{AF507438-7753-43e0-B8FC-AC1667EBCBE1}">
-                  <a14:hiddenEffects xmlns="" xmlns:a14="http://schemas.microsoft.com/office/drawing/2010/main">
+                  <a14:hiddenEffects xmlns:a14="http://schemas.microsoft.com/office/drawing/2010/main" xmlns="">
                     <a:effectLst>
                       <a:outerShdw dist="35921" dir="2700000" algn="ctr" rotWithShape="0">
                         <a:schemeClr val="bg2"/>
@@ -7607,7 +7667,7 @@
               <a:effectLst/>
               <a:extLst>
                 <a:ext uri="{AF507438-7753-43e0-B8FC-AC1667EBCBE1}">
-                  <a14:hiddenEffects xmlns="" xmlns:a14="http://schemas.microsoft.com/office/drawing/2010/main">
+                  <a14:hiddenEffects xmlns:a14="http://schemas.microsoft.com/office/drawing/2010/main" xmlns="">
                     <a:effectLst>
                       <a:outerShdw dist="35921" dir="2700000" algn="ctr" rotWithShape="0">
                         <a:schemeClr val="bg2"/>
@@ -8130,14 +8190,14 @@
             <a:effectLst/>
             <a:extLst>
               <a:ext uri="{909E8E84-426E-40dd-AFC4-6F175D3DCCD1}">
-                <a14:hiddenFill xmlns="" xmlns:a14="http://schemas.microsoft.com/office/drawing/2010/main">
+                <a14:hiddenFill xmlns:a14="http://schemas.microsoft.com/office/drawing/2010/main" xmlns="">
                   <a:solidFill>
                     <a:schemeClr val="accent1"/>
                   </a:solidFill>
                 </a14:hiddenFill>
               </a:ext>
               <a:ext uri="{AF507438-7753-43e0-B8FC-AC1667EBCBE1}">
-                <a14:hiddenEffects xmlns="" xmlns:a14="http://schemas.microsoft.com/office/drawing/2010/main">
+                <a14:hiddenEffects xmlns:a14="http://schemas.microsoft.com/office/drawing/2010/main" xmlns="">
                   <a:effectLst>
                     <a:outerShdw dist="35921" dir="2700000" algn="ctr" rotWithShape="0">
                       <a:schemeClr val="bg2"/>
@@ -8700,7 +8760,7 @@
               <a:effectLst/>
               <a:extLst>
                 <a:ext uri="{AF507438-7753-43e0-B8FC-AC1667EBCBE1}">
-                  <a14:hiddenEffects xmlns="" xmlns:a14="http://schemas.microsoft.com/office/drawing/2010/main">
+                  <a14:hiddenEffects xmlns:a14="http://schemas.microsoft.com/office/drawing/2010/main" xmlns="">
                     <a:effectLst>
                       <a:outerShdw dist="35921" dir="2700000" algn="ctr" rotWithShape="0">
                         <a:schemeClr val="bg2"/>
@@ -9159,7 +9219,7 @@
               <a:effectLst/>
               <a:extLst>
                 <a:ext uri="{AF507438-7753-43e0-B8FC-AC1667EBCBE1}">
-                  <a14:hiddenEffects xmlns="" xmlns:a14="http://schemas.microsoft.com/office/drawing/2010/main">
+                  <a14:hiddenEffects xmlns:a14="http://schemas.microsoft.com/office/drawing/2010/main" xmlns="">
                     <a:effectLst>
                       <a:outerShdw dist="35921" dir="2700000" algn="ctr" rotWithShape="0">
                         <a:schemeClr val="bg2"/>
@@ -9626,7 +9686,7 @@
                 <a:effectLst/>
                 <a:extLst>
                   <a:ext uri="{AF507438-7753-43e0-B8FC-AC1667EBCBE1}">
-                    <a14:hiddenEffects xmlns="" xmlns:a14="http://schemas.microsoft.com/office/drawing/2010/main">
+                    <a14:hiddenEffects xmlns:a14="http://schemas.microsoft.com/office/drawing/2010/main" xmlns="">
                       <a:effectLst>
                         <a:outerShdw dist="35921" dir="2700000" algn="ctr" rotWithShape="0">
                           <a:schemeClr val="bg2"/>
@@ -9877,7 +9937,7 @@
                 <a:effectLst/>
                 <a:extLst>
                   <a:ext uri="{AF507438-7753-43e0-B8FC-AC1667EBCBE1}">
-                    <a14:hiddenEffects xmlns="" xmlns:a14="http://schemas.microsoft.com/office/drawing/2010/main">
+                    <a14:hiddenEffects xmlns:a14="http://schemas.microsoft.com/office/drawing/2010/main" xmlns="">
                       <a:effectLst>
                         <a:outerShdw dist="35921" dir="2700000" algn="ctr" rotWithShape="0">
                           <a:schemeClr val="bg2"/>
@@ -10160,7 +10220,7 @@
                 <a:effectLst/>
                 <a:extLst>
                   <a:ext uri="{AF507438-7753-43e0-B8FC-AC1667EBCBE1}">
-                    <a14:hiddenEffects xmlns="" xmlns:a14="http://schemas.microsoft.com/office/drawing/2010/main">
+                    <a14:hiddenEffects xmlns:a14="http://schemas.microsoft.com/office/drawing/2010/main" xmlns="">
                       <a:effectLst>
                         <a:outerShdw dist="35921" dir="2700000" algn="ctr" rotWithShape="0">
                           <a:schemeClr val="bg2"/>
@@ -10222,12 +10282,12 @@
                   <a:effectLst/>
                   <a:extLst>
                     <a:ext uri="{909E8E84-426E-40dd-AFC4-6F175D3DCCD1}">
-                      <a14:hiddenFill xmlns="" xmlns:a14="http://schemas.microsoft.com/office/drawing/2010/main">
+                      <a14:hiddenFill xmlns:a14="http://schemas.microsoft.com/office/drawing/2010/main" xmlns="">
                         <a:noFill/>
                       </a14:hiddenFill>
                     </a:ext>
                     <a:ext uri="{AF507438-7753-43e0-B8FC-AC1667EBCBE1}">
-                      <a14:hiddenEffects xmlns="" xmlns:a14="http://schemas.microsoft.com/office/drawing/2010/main">
+                      <a14:hiddenEffects xmlns:a14="http://schemas.microsoft.com/office/drawing/2010/main" xmlns="">
                         <a:effectLst>
                           <a:outerShdw dist="35921" dir="2700000" algn="ctr" rotWithShape="0">
                             <a:schemeClr val="bg2"/>
@@ -10273,12 +10333,12 @@
                   <a:effectLst/>
                   <a:extLst>
                     <a:ext uri="{909E8E84-426E-40dd-AFC4-6F175D3DCCD1}">
-                      <a14:hiddenFill xmlns="" xmlns:a14="http://schemas.microsoft.com/office/drawing/2010/main">
+                      <a14:hiddenFill xmlns:a14="http://schemas.microsoft.com/office/drawing/2010/main" xmlns="">
                         <a:noFill/>
                       </a14:hiddenFill>
                     </a:ext>
                     <a:ext uri="{AF507438-7753-43e0-B8FC-AC1667EBCBE1}">
-                      <a14:hiddenEffects xmlns="" xmlns:a14="http://schemas.microsoft.com/office/drawing/2010/main">
+                      <a14:hiddenEffects xmlns:a14="http://schemas.microsoft.com/office/drawing/2010/main" xmlns="">
                         <a:effectLst>
                           <a:outerShdw dist="35921" dir="2700000" algn="ctr" rotWithShape="0">
                             <a:schemeClr val="bg2"/>
@@ -10341,12 +10401,12 @@
                   <a:effectLst/>
                   <a:extLst>
                     <a:ext uri="{909E8E84-426E-40dd-AFC4-6F175D3DCCD1}">
-                      <a14:hiddenFill xmlns="" xmlns:a14="http://schemas.microsoft.com/office/drawing/2010/main">
+                      <a14:hiddenFill xmlns:a14="http://schemas.microsoft.com/office/drawing/2010/main" xmlns="">
                         <a:noFill/>
                       </a14:hiddenFill>
                     </a:ext>
                     <a:ext uri="{AF507438-7753-43e0-B8FC-AC1667EBCBE1}">
-                      <a14:hiddenEffects xmlns="" xmlns:a14="http://schemas.microsoft.com/office/drawing/2010/main">
+                      <a14:hiddenEffects xmlns:a14="http://schemas.microsoft.com/office/drawing/2010/main" xmlns="">
                         <a:effectLst>
                           <a:outerShdw dist="35921" dir="2700000" algn="ctr" rotWithShape="0">
                             <a:schemeClr val="bg2"/>
@@ -10392,12 +10452,12 @@
                   <a:effectLst/>
                   <a:extLst>
                     <a:ext uri="{909E8E84-426E-40dd-AFC4-6F175D3DCCD1}">
-                      <a14:hiddenFill xmlns="" xmlns:a14="http://schemas.microsoft.com/office/drawing/2010/main">
+                      <a14:hiddenFill xmlns:a14="http://schemas.microsoft.com/office/drawing/2010/main" xmlns="">
                         <a:noFill/>
                       </a14:hiddenFill>
                     </a:ext>
                     <a:ext uri="{AF507438-7753-43e0-B8FC-AC1667EBCBE1}">
-                      <a14:hiddenEffects xmlns="" xmlns:a14="http://schemas.microsoft.com/office/drawing/2010/main">
+                      <a14:hiddenEffects xmlns:a14="http://schemas.microsoft.com/office/drawing/2010/main" xmlns="">
                         <a:effectLst>
                           <a:outerShdw dist="35921" dir="2700000" algn="ctr" rotWithShape="0">
                             <a:schemeClr val="bg2"/>
@@ -10505,7 +10565,7 @@
                 <a:effectLst/>
                 <a:extLst>
                   <a:ext uri="{AF507438-7753-43e0-B8FC-AC1667EBCBE1}">
-                    <a14:hiddenEffects xmlns="" xmlns:a14="http://schemas.microsoft.com/office/drawing/2010/main">
+                    <a14:hiddenEffects xmlns:a14="http://schemas.microsoft.com/office/drawing/2010/main" xmlns="">
                       <a:effectLst>
                         <a:outerShdw dist="35921" dir="2700000" algn="ctr" rotWithShape="0">
                           <a:schemeClr val="bg2"/>
@@ -10701,7 +10761,7 @@
                 <a:effectLst/>
                 <a:extLst>
                   <a:ext uri="{AF507438-7753-43e0-B8FC-AC1667EBCBE1}">
-                    <a14:hiddenEffects xmlns="" xmlns:a14="http://schemas.microsoft.com/office/drawing/2010/main">
+                    <a14:hiddenEffects xmlns:a14="http://schemas.microsoft.com/office/drawing/2010/main" xmlns="">
                       <a:effectLst>
                         <a:outerShdw dist="35921" dir="2700000" algn="ctr" rotWithShape="0">
                           <a:schemeClr val="bg2"/>
@@ -10880,7 +10940,7 @@
                 <a:effectLst/>
                 <a:extLst>
                   <a:ext uri="{AF507438-7753-43e0-B8FC-AC1667EBCBE1}">
-                    <a14:hiddenEffects xmlns="" xmlns:a14="http://schemas.microsoft.com/office/drawing/2010/main">
+                    <a14:hiddenEffects xmlns:a14="http://schemas.microsoft.com/office/drawing/2010/main" xmlns="">
                       <a:effectLst>
                         <a:outerShdw dist="35921" dir="2700000" algn="ctr" rotWithShape="0">
                           <a:schemeClr val="bg2"/>
@@ -11036,7 +11096,7 @@
               <a:effectLst/>
               <a:extLst>
                 <a:ext uri="{AF507438-7753-43e0-B8FC-AC1667EBCBE1}">
-                  <a14:hiddenEffects xmlns="" xmlns:a14="http://schemas.microsoft.com/office/drawing/2010/main">
+                  <a14:hiddenEffects xmlns:a14="http://schemas.microsoft.com/office/drawing/2010/main" xmlns="">
                     <a:effectLst>
                       <a:outerShdw dist="35921" dir="2700000" algn="ctr" rotWithShape="0">
                         <a:schemeClr val="bg2"/>
@@ -11205,14 +11265,14 @@
                 <a:effectLst/>
                 <a:extLst>
                   <a:ext uri="{909E8E84-426E-40dd-AFC4-6F175D3DCCD1}">
-                    <a14:hiddenFill xmlns="" xmlns:a14="http://schemas.microsoft.com/office/drawing/2010/main">
+                    <a14:hiddenFill xmlns:a14="http://schemas.microsoft.com/office/drawing/2010/main" xmlns="">
                       <a:solidFill>
                         <a:schemeClr val="accent1"/>
                       </a:solidFill>
                     </a14:hiddenFill>
                   </a:ext>
                   <a:ext uri="{AF507438-7753-43e0-B8FC-AC1667EBCBE1}">
-                    <a14:hiddenEffects xmlns="" xmlns:a14="http://schemas.microsoft.com/office/drawing/2010/main">
+                    <a14:hiddenEffects xmlns:a14="http://schemas.microsoft.com/office/drawing/2010/main" xmlns="">
                       <a:effectLst>
                         <a:outerShdw dist="35921" dir="2700000" algn="ctr" rotWithShape="0">
                           <a:schemeClr val="bg2"/>
@@ -11333,14 +11393,14 @@
                   <a:effectLst/>
                   <a:extLst>
                     <a:ext uri="{909E8E84-426E-40dd-AFC4-6F175D3DCCD1}">
-                      <a14:hiddenFill xmlns="" xmlns:a14="http://schemas.microsoft.com/office/drawing/2010/main">
+                      <a14:hiddenFill xmlns:a14="http://schemas.microsoft.com/office/drawing/2010/main" xmlns="">
                         <a:solidFill>
                           <a:schemeClr val="accent1"/>
                         </a:solidFill>
                       </a14:hiddenFill>
                     </a:ext>
                     <a:ext uri="{AF507438-7753-43e0-B8FC-AC1667EBCBE1}">
-                      <a14:hiddenEffects xmlns="" xmlns:a14="http://schemas.microsoft.com/office/drawing/2010/main">
+                      <a14:hiddenEffects xmlns:a14="http://schemas.microsoft.com/office/drawing/2010/main" xmlns="">
                         <a:effectLst>
                           <a:outerShdw dist="35921" dir="2700000" algn="ctr" rotWithShape="0">
                             <a:schemeClr val="bg2"/>
@@ -11469,14 +11529,14 @@
                   <a:effectLst/>
                   <a:extLst>
                     <a:ext uri="{909E8E84-426E-40dd-AFC4-6F175D3DCCD1}">
-                      <a14:hiddenFill xmlns="" xmlns:a14="http://schemas.microsoft.com/office/drawing/2010/main">
+                      <a14:hiddenFill xmlns:a14="http://schemas.microsoft.com/office/drawing/2010/main" xmlns="">
                         <a:solidFill>
                           <a:schemeClr val="accent1"/>
                         </a:solidFill>
                       </a14:hiddenFill>
                     </a:ext>
                     <a:ext uri="{AF507438-7753-43e0-B8FC-AC1667EBCBE1}">
-                      <a14:hiddenEffects xmlns="" xmlns:a14="http://schemas.microsoft.com/office/drawing/2010/main">
+                      <a14:hiddenEffects xmlns:a14="http://schemas.microsoft.com/office/drawing/2010/main" xmlns="">
                         <a:effectLst>
                           <a:outerShdw dist="35921" dir="2700000" algn="ctr" rotWithShape="0">
                             <a:schemeClr val="bg2"/>
@@ -11590,14 +11650,14 @@
                 <a:effectLst/>
                 <a:extLst>
                   <a:ext uri="{909E8E84-426E-40dd-AFC4-6F175D3DCCD1}">
-                    <a14:hiddenFill xmlns="" xmlns:a14="http://schemas.microsoft.com/office/drawing/2010/main">
+                    <a14:hiddenFill xmlns:a14="http://schemas.microsoft.com/office/drawing/2010/main" xmlns="">
                       <a:solidFill>
                         <a:schemeClr val="accent1"/>
                       </a:solidFill>
                     </a14:hiddenFill>
                   </a:ext>
                   <a:ext uri="{AF507438-7753-43e0-B8FC-AC1667EBCBE1}">
-                    <a14:hiddenEffects xmlns="" xmlns:a14="http://schemas.microsoft.com/office/drawing/2010/main">
+                    <a14:hiddenEffects xmlns:a14="http://schemas.microsoft.com/office/drawing/2010/main" xmlns="">
                       <a:effectLst>
                         <a:outerShdw dist="35921" dir="2700000" algn="ctr" rotWithShape="0">
                           <a:schemeClr val="bg2"/>
@@ -11686,14 +11746,14 @@
                 <a:effectLst/>
                 <a:extLst>
                   <a:ext uri="{909E8E84-426E-40dd-AFC4-6F175D3DCCD1}">
-                    <a14:hiddenFill xmlns="" xmlns:a14="http://schemas.microsoft.com/office/drawing/2010/main">
+                    <a14:hiddenFill xmlns:a14="http://schemas.microsoft.com/office/drawing/2010/main" xmlns="">
                       <a:solidFill>
                         <a:schemeClr val="accent1"/>
                       </a:solidFill>
                     </a14:hiddenFill>
                   </a:ext>
                   <a:ext uri="{AF507438-7753-43e0-B8FC-AC1667EBCBE1}">
-                    <a14:hiddenEffects xmlns="" xmlns:a14="http://schemas.microsoft.com/office/drawing/2010/main">
+                    <a14:hiddenEffects xmlns:a14="http://schemas.microsoft.com/office/drawing/2010/main" xmlns="">
                       <a:effectLst>
                         <a:outerShdw dist="35921" dir="2700000" algn="ctr" rotWithShape="0">
                           <a:schemeClr val="bg2"/>
@@ -11882,7 +11942,7 @@
                   <a:effectLst/>
                   <a:extLst>
                     <a:ext uri="{91240B29-F687-4f45-9708-019B960494DF}">
-                      <a14:hiddenLine xmlns="" xmlns:a14="http://schemas.microsoft.com/office/drawing/2010/main" w="9525" cap="rnd">
+                      <a14:hiddenLine xmlns:a14="http://schemas.microsoft.com/office/drawing/2010/main" xmlns="" w="9525" cap="rnd">
                         <a:solidFill>
                           <a:schemeClr val="tx1"/>
                         </a:solidFill>
@@ -11892,7 +11952,7 @@
                       </a14:hiddenLine>
                     </a:ext>
                     <a:ext uri="{AF507438-7753-43e0-B8FC-AC1667EBCBE1}">
-                      <a14:hiddenEffects xmlns="" xmlns:a14="http://schemas.microsoft.com/office/drawing/2010/main">
+                      <a14:hiddenEffects xmlns:a14="http://schemas.microsoft.com/office/drawing/2010/main" xmlns="">
                         <a:effectLst>
                           <a:outerShdw dist="35921" dir="2700000" algn="ctr" rotWithShape="0">
                             <a:schemeClr val="bg2"/>
@@ -12061,14 +12121,14 @@
                   <a:effectLst/>
                   <a:extLst>
                     <a:ext uri="{909E8E84-426E-40dd-AFC4-6F175D3DCCD1}">
-                      <a14:hiddenFill xmlns="" xmlns:a14="http://schemas.microsoft.com/office/drawing/2010/main">
+                      <a14:hiddenFill xmlns:a14="http://schemas.microsoft.com/office/drawing/2010/main" xmlns="">
                         <a:solidFill>
                           <a:schemeClr val="accent1"/>
                         </a:solidFill>
                       </a14:hiddenFill>
                     </a:ext>
                     <a:ext uri="{AF507438-7753-43e0-B8FC-AC1667EBCBE1}">
-                      <a14:hiddenEffects xmlns="" xmlns:a14="http://schemas.microsoft.com/office/drawing/2010/main">
+                      <a14:hiddenEffects xmlns:a14="http://schemas.microsoft.com/office/drawing/2010/main" xmlns="">
                         <a:effectLst>
                           <a:outerShdw dist="35921" dir="2700000" algn="ctr" rotWithShape="0">
                             <a:schemeClr val="bg2"/>
@@ -12298,7 +12358,7 @@
               <a:effectLst/>
               <a:extLst>
                 <a:ext uri="{AF507438-7753-43e0-B8FC-AC1667EBCBE1}">
-                  <a14:hiddenEffects xmlns="" xmlns:a14="http://schemas.microsoft.com/office/drawing/2010/main">
+                  <a14:hiddenEffects xmlns:a14="http://schemas.microsoft.com/office/drawing/2010/main" xmlns="">
                     <a:effectLst>
                       <a:outerShdw dist="35921" dir="2700000" algn="ctr" rotWithShape="0">
                         <a:schemeClr val="bg2"/>
@@ -12485,7 +12545,7 @@
               <a:effectLst/>
               <a:extLst>
                 <a:ext uri="{AF507438-7753-43e0-B8FC-AC1667EBCBE1}">
-                  <a14:hiddenEffects xmlns="" xmlns:a14="http://schemas.microsoft.com/office/drawing/2010/main">
+                  <a14:hiddenEffects xmlns:a14="http://schemas.microsoft.com/office/drawing/2010/main" xmlns="">
                     <a:effectLst>
                       <a:outerShdw dist="35921" dir="2700000" algn="ctr" rotWithShape="0">
                         <a:schemeClr val="bg2"/>
@@ -12969,7 +13029,7 @@
                 <a:effectLst/>
                 <a:extLst>
                   <a:ext uri="{AF507438-7753-43e0-B8FC-AC1667EBCBE1}">
-                    <a14:hiddenEffects xmlns="" xmlns:a14="http://schemas.microsoft.com/office/drawing/2010/main">
+                    <a14:hiddenEffects xmlns:a14="http://schemas.microsoft.com/office/drawing/2010/main" xmlns="">
                       <a:effectLst>
                         <a:outerShdw dist="35921" dir="2700000" algn="ctr" rotWithShape="0">
                           <a:schemeClr val="bg2"/>
@@ -13126,7 +13186,7 @@
                   <a:effectLst/>
                   <a:extLst>
                     <a:ext uri="{91240B29-F687-4f45-9708-019B960494DF}">
-                      <a14:hiddenLine xmlns="" xmlns:a14="http://schemas.microsoft.com/office/drawing/2010/main" w="9525" cap="rnd">
+                      <a14:hiddenLine xmlns:a14="http://schemas.microsoft.com/office/drawing/2010/main" xmlns="" w="9525" cap="rnd">
                         <a:solidFill>
                           <a:schemeClr val="tx1"/>
                         </a:solidFill>
@@ -13136,7 +13196,7 @@
                       </a14:hiddenLine>
                     </a:ext>
                     <a:ext uri="{AF507438-7753-43e0-B8FC-AC1667EBCBE1}">
-                      <a14:hiddenEffects xmlns="" xmlns:a14="http://schemas.microsoft.com/office/drawing/2010/main">
+                      <a14:hiddenEffects xmlns:a14="http://schemas.microsoft.com/office/drawing/2010/main" xmlns="">
                         <a:effectLst>
                           <a:outerShdw dist="35921" dir="2700000" algn="ctr" rotWithShape="0">
                             <a:schemeClr val="bg2"/>
@@ -13257,14 +13317,14 @@
                     <a:effectLst/>
                     <a:extLst>
                       <a:ext uri="{909E8E84-426E-40dd-AFC4-6F175D3DCCD1}">
-                        <a14:hiddenFill xmlns="" xmlns:a14="http://schemas.microsoft.com/office/drawing/2010/main">
+                        <a14:hiddenFill xmlns:a14="http://schemas.microsoft.com/office/drawing/2010/main" xmlns="">
                           <a:solidFill>
                             <a:schemeClr val="accent1"/>
                           </a:solidFill>
                         </a14:hiddenFill>
                       </a:ext>
                       <a:ext uri="{AF507438-7753-43e0-B8FC-AC1667EBCBE1}">
-                        <a14:hiddenEffects xmlns="" xmlns:a14="http://schemas.microsoft.com/office/drawing/2010/main">
+                        <a14:hiddenEffects xmlns:a14="http://schemas.microsoft.com/office/drawing/2010/main" xmlns="">
                           <a:effectLst>
                             <a:outerShdw dist="35921" dir="2700000" algn="ctr" rotWithShape="0">
                               <a:schemeClr val="bg2"/>
@@ -13401,14 +13461,14 @@
                     <a:effectLst/>
                     <a:extLst>
                       <a:ext uri="{909E8E84-426E-40dd-AFC4-6F175D3DCCD1}">
-                        <a14:hiddenFill xmlns="" xmlns:a14="http://schemas.microsoft.com/office/drawing/2010/main">
+                        <a14:hiddenFill xmlns:a14="http://schemas.microsoft.com/office/drawing/2010/main" xmlns="">
                           <a:solidFill>
                             <a:schemeClr val="accent1"/>
                           </a:solidFill>
                         </a14:hiddenFill>
                       </a:ext>
                       <a:ext uri="{AF507438-7753-43e0-B8FC-AC1667EBCBE1}">
-                        <a14:hiddenEffects xmlns="" xmlns:a14="http://schemas.microsoft.com/office/drawing/2010/main">
+                        <a14:hiddenEffects xmlns:a14="http://schemas.microsoft.com/office/drawing/2010/main" xmlns="">
                           <a:effectLst>
                             <a:outerShdw dist="35921" dir="2700000" algn="ctr" rotWithShape="0">
                               <a:schemeClr val="bg2"/>
@@ -13454,12 +13514,12 @@
                     <a:effectLst/>
                     <a:extLst>
                       <a:ext uri="{909E8E84-426E-40dd-AFC4-6F175D3DCCD1}">
-                        <a14:hiddenFill xmlns="" xmlns:a14="http://schemas.microsoft.com/office/drawing/2010/main">
+                        <a14:hiddenFill xmlns:a14="http://schemas.microsoft.com/office/drawing/2010/main" xmlns="">
                           <a:noFill/>
                         </a14:hiddenFill>
                       </a:ext>
                       <a:ext uri="{AF507438-7753-43e0-B8FC-AC1667EBCBE1}">
-                        <a14:hiddenEffects xmlns="" xmlns:a14="http://schemas.microsoft.com/office/drawing/2010/main">
+                        <a14:hiddenEffects xmlns:a14="http://schemas.microsoft.com/office/drawing/2010/main" xmlns="">
                           <a:effectLst>
                             <a:outerShdw dist="35921" dir="2700000" algn="ctr" rotWithShape="0">
                               <a:schemeClr val="bg2"/>
@@ -13556,14 +13616,14 @@
                     <a:effectLst/>
                     <a:extLst>
                       <a:ext uri="{909E8E84-426E-40dd-AFC4-6F175D3DCCD1}">
-                        <a14:hiddenFill xmlns="" xmlns:a14="http://schemas.microsoft.com/office/drawing/2010/main">
+                        <a14:hiddenFill xmlns:a14="http://schemas.microsoft.com/office/drawing/2010/main" xmlns="">
                           <a:solidFill>
                             <a:schemeClr val="accent1"/>
                           </a:solidFill>
                         </a14:hiddenFill>
                       </a:ext>
                       <a:ext uri="{AF507438-7753-43e0-B8FC-AC1667EBCBE1}">
-                        <a14:hiddenEffects xmlns="" xmlns:a14="http://schemas.microsoft.com/office/drawing/2010/main">
+                        <a14:hiddenEffects xmlns:a14="http://schemas.microsoft.com/office/drawing/2010/main" xmlns="">
                           <a:effectLst>
                             <a:outerShdw dist="35921" dir="2700000" algn="ctr" rotWithShape="0">
                               <a:schemeClr val="bg2"/>
@@ -14015,14 +14075,14 @@
               <a:effectLst/>
               <a:extLst>
                 <a:ext uri="{909E8E84-426E-40dd-AFC4-6F175D3DCCD1}">
-                  <a14:hiddenFill xmlns="" xmlns:a14="http://schemas.microsoft.com/office/drawing/2010/main">
+                  <a14:hiddenFill xmlns:a14="http://schemas.microsoft.com/office/drawing/2010/main" xmlns="">
                     <a:solidFill>
                       <a:schemeClr val="accent1"/>
                     </a:solidFill>
                   </a14:hiddenFill>
                 </a:ext>
                 <a:ext uri="{AF507438-7753-43e0-B8FC-AC1667EBCBE1}">
-                  <a14:hiddenEffects xmlns="" xmlns:a14="http://schemas.microsoft.com/office/drawing/2010/main">
+                  <a14:hiddenEffects xmlns:a14="http://schemas.microsoft.com/office/drawing/2010/main" xmlns="">
                     <a:effectLst>
                       <a:outerShdw dist="35921" dir="2700000" algn="ctr" rotWithShape="0">
                         <a:schemeClr val="bg2"/>
@@ -14346,7 +14406,7 @@
                 <a:effectLst/>
                 <a:extLst>
                   <a:ext uri="{AF507438-7753-43e0-B8FC-AC1667EBCBE1}">
-                    <a14:hiddenEffects xmlns="" xmlns:a14="http://schemas.microsoft.com/office/drawing/2010/main">
+                    <a14:hiddenEffects xmlns:a14="http://schemas.microsoft.com/office/drawing/2010/main" xmlns="">
                       <a:effectLst>
                         <a:outerShdw dist="35921" dir="2700000" algn="ctr" rotWithShape="0">
                           <a:schemeClr val="bg2"/>
@@ -14479,7 +14539,7 @@
                 <a:effectLst/>
                 <a:extLst>
                   <a:ext uri="{91240B29-F687-4f45-9708-019B960494DF}">
-                    <a14:hiddenLine xmlns="" xmlns:a14="http://schemas.microsoft.com/office/drawing/2010/main" w="9525" cap="rnd">
+                    <a14:hiddenLine xmlns:a14="http://schemas.microsoft.com/office/drawing/2010/main" xmlns="" w="9525" cap="rnd">
                       <a:solidFill>
                         <a:schemeClr val="tx1"/>
                       </a:solidFill>
@@ -14489,7 +14549,7 @@
                     </a14:hiddenLine>
                   </a:ext>
                   <a:ext uri="{AF507438-7753-43e0-B8FC-AC1667EBCBE1}">
-                    <a14:hiddenEffects xmlns="" xmlns:a14="http://schemas.microsoft.com/office/drawing/2010/main">
+                    <a14:hiddenEffects xmlns:a14="http://schemas.microsoft.com/office/drawing/2010/main" xmlns="">
                       <a:effectLst>
                         <a:outerShdw dist="35921" dir="2700000" algn="ctr" rotWithShape="0">
                           <a:schemeClr val="bg2"/>
@@ -14779,14 +14839,14 @@
               <a:effectLst/>
               <a:extLst>
                 <a:ext uri="{909E8E84-426E-40dd-AFC4-6F175D3DCCD1}">
-                  <a14:hiddenFill xmlns="" xmlns:a14="http://schemas.microsoft.com/office/drawing/2010/main">
+                  <a14:hiddenFill xmlns:a14="http://schemas.microsoft.com/office/drawing/2010/main" xmlns="">
                     <a:solidFill>
                       <a:schemeClr val="accent1"/>
                     </a:solidFill>
                   </a14:hiddenFill>
                 </a:ext>
                 <a:ext uri="{AF507438-7753-43e0-B8FC-AC1667EBCBE1}">
-                  <a14:hiddenEffects xmlns="" xmlns:a14="http://schemas.microsoft.com/office/drawing/2010/main">
+                  <a14:hiddenEffects xmlns:a14="http://schemas.microsoft.com/office/drawing/2010/main" xmlns="">
                     <a:effectLst>
                       <a:outerShdw dist="35921" dir="2700000" algn="ctr" rotWithShape="0">
                         <a:schemeClr val="bg2"/>
@@ -15287,7 +15347,7 @@
             <a:effectLst/>
             <a:extLst>
               <a:ext uri="{AF507438-7753-43e0-B8FC-AC1667EBCBE1}">
-                <a14:hiddenEffects xmlns="" xmlns:a14="http://schemas.microsoft.com/office/drawing/2010/main">
+                <a14:hiddenEffects xmlns:a14="http://schemas.microsoft.com/office/drawing/2010/main" xmlns="">
                   <a:effectLst>
                     <a:outerShdw dist="35921" dir="2700000" algn="ctr" rotWithShape="0">
                       <a:schemeClr val="bg2"/>
@@ -15610,7 +15670,7 @@
             <a:effectLst/>
             <a:extLst>
               <a:ext uri="{AF507438-7753-43e0-B8FC-AC1667EBCBE1}">
-                <a14:hiddenEffects xmlns="" xmlns:a14="http://schemas.microsoft.com/office/drawing/2010/main">
+                <a14:hiddenEffects xmlns:a14="http://schemas.microsoft.com/office/drawing/2010/main" xmlns="">
                   <a:effectLst>
                     <a:outerShdw dist="35921" dir="2700000" algn="ctr" rotWithShape="0">
                       <a:schemeClr val="bg2"/>
@@ -15771,14 +15831,14 @@
                 <a:effectLst/>
                 <a:extLst>
                   <a:ext uri="{909E8E84-426E-40dd-AFC4-6F175D3DCCD1}">
-                    <a14:hiddenFill xmlns="" xmlns:a14="http://schemas.microsoft.com/office/drawing/2010/main">
+                    <a14:hiddenFill xmlns:a14="http://schemas.microsoft.com/office/drawing/2010/main" xmlns="">
                       <a:solidFill>
                         <a:schemeClr val="accent1"/>
                       </a:solidFill>
                     </a14:hiddenFill>
                   </a:ext>
                   <a:ext uri="{AF507438-7753-43e0-B8FC-AC1667EBCBE1}">
-                    <a14:hiddenEffects xmlns="" xmlns:a14="http://schemas.microsoft.com/office/drawing/2010/main">
+                    <a14:hiddenEffects xmlns:a14="http://schemas.microsoft.com/office/drawing/2010/main" xmlns="">
                       <a:effectLst>
                         <a:outerShdw dist="35921" dir="2700000" algn="ctr" rotWithShape="0">
                           <a:schemeClr val="bg2"/>
@@ -15867,14 +15927,14 @@
                 <a:effectLst/>
                 <a:extLst>
                   <a:ext uri="{909E8E84-426E-40dd-AFC4-6F175D3DCCD1}">
-                    <a14:hiddenFill xmlns="" xmlns:a14="http://schemas.microsoft.com/office/drawing/2010/main">
+                    <a14:hiddenFill xmlns:a14="http://schemas.microsoft.com/office/drawing/2010/main" xmlns="">
                       <a:solidFill>
                         <a:schemeClr val="accent1"/>
                       </a:solidFill>
                     </a14:hiddenFill>
                   </a:ext>
                   <a:ext uri="{AF507438-7753-43e0-B8FC-AC1667EBCBE1}">
-                    <a14:hiddenEffects xmlns="" xmlns:a14="http://schemas.microsoft.com/office/drawing/2010/main">
+                    <a14:hiddenEffects xmlns:a14="http://schemas.microsoft.com/office/drawing/2010/main" xmlns="">
                       <a:effectLst>
                         <a:outerShdw dist="35921" dir="2700000" algn="ctr" rotWithShape="0">
                           <a:schemeClr val="bg2"/>
@@ -16019,14 +16079,14 @@
                 <a:effectLst/>
                 <a:extLst>
                   <a:ext uri="{909E8E84-426E-40dd-AFC4-6F175D3DCCD1}">
-                    <a14:hiddenFill xmlns="" xmlns:a14="http://schemas.microsoft.com/office/drawing/2010/main">
+                    <a14:hiddenFill xmlns:a14="http://schemas.microsoft.com/office/drawing/2010/main" xmlns="">
                       <a:solidFill>
                         <a:schemeClr val="accent1"/>
                       </a:solidFill>
                     </a14:hiddenFill>
                   </a:ext>
                   <a:ext uri="{AF507438-7753-43e0-B8FC-AC1667EBCBE1}">
-                    <a14:hiddenEffects xmlns="" xmlns:a14="http://schemas.microsoft.com/office/drawing/2010/main">
+                    <a14:hiddenEffects xmlns:a14="http://schemas.microsoft.com/office/drawing/2010/main" xmlns="">
                       <a:effectLst>
                         <a:outerShdw dist="35921" dir="2700000" algn="ctr" rotWithShape="0">
                           <a:schemeClr val="bg2"/>
@@ -16196,14 +16256,14 @@
                 <a:effectLst/>
                 <a:extLst>
                   <a:ext uri="{909E8E84-426E-40dd-AFC4-6F175D3DCCD1}">
-                    <a14:hiddenFill xmlns="" xmlns:a14="http://schemas.microsoft.com/office/drawing/2010/main">
+                    <a14:hiddenFill xmlns:a14="http://schemas.microsoft.com/office/drawing/2010/main" xmlns="">
                       <a:solidFill>
                         <a:schemeClr val="accent1"/>
                       </a:solidFill>
                     </a14:hiddenFill>
                   </a:ext>
                   <a:ext uri="{AF507438-7753-43e0-B8FC-AC1667EBCBE1}">
-                    <a14:hiddenEffects xmlns="" xmlns:a14="http://schemas.microsoft.com/office/drawing/2010/main">
+                    <a14:hiddenEffects xmlns:a14="http://schemas.microsoft.com/office/drawing/2010/main" xmlns="">
                       <a:effectLst>
                         <a:outerShdw dist="35921" dir="2700000" algn="ctr" rotWithShape="0">
                           <a:schemeClr val="bg2"/>
@@ -16404,14 +16464,14 @@
                 <a:effectLst/>
                 <a:extLst>
                   <a:ext uri="{909E8E84-426E-40dd-AFC4-6F175D3DCCD1}">
-                    <a14:hiddenFill xmlns="" xmlns:a14="http://schemas.microsoft.com/office/drawing/2010/main">
+                    <a14:hiddenFill xmlns:a14="http://schemas.microsoft.com/office/drawing/2010/main" xmlns="">
                       <a:solidFill>
                         <a:schemeClr val="accent1"/>
                       </a:solidFill>
                     </a14:hiddenFill>
                   </a:ext>
                   <a:ext uri="{AF507438-7753-43e0-B8FC-AC1667EBCBE1}">
-                    <a14:hiddenEffects xmlns="" xmlns:a14="http://schemas.microsoft.com/office/drawing/2010/main">
+                    <a14:hiddenEffects xmlns:a14="http://schemas.microsoft.com/office/drawing/2010/main" xmlns="">
                       <a:effectLst>
                         <a:outerShdw dist="35921" dir="2700000" algn="ctr" rotWithShape="0">
                           <a:schemeClr val="bg2"/>
@@ -16457,12 +16517,12 @@
                 <a:effectLst/>
                 <a:extLst>
                   <a:ext uri="{909E8E84-426E-40dd-AFC4-6F175D3DCCD1}">
-                    <a14:hiddenFill xmlns="" xmlns:a14="http://schemas.microsoft.com/office/drawing/2010/main">
+                    <a14:hiddenFill xmlns:a14="http://schemas.microsoft.com/office/drawing/2010/main" xmlns="">
                       <a:noFill/>
                     </a14:hiddenFill>
                   </a:ext>
                   <a:ext uri="{AF507438-7753-43e0-B8FC-AC1667EBCBE1}">
-                    <a14:hiddenEffects xmlns="" xmlns:a14="http://schemas.microsoft.com/office/drawing/2010/main">
+                    <a14:hiddenEffects xmlns:a14="http://schemas.microsoft.com/office/drawing/2010/main" xmlns="">
                       <a:effectLst>
                         <a:outerShdw dist="35921" dir="2700000" algn="ctr" rotWithShape="0">
                           <a:schemeClr val="bg2"/>
@@ -16895,7 +16955,7 @@
             <a:effectLst/>
             <a:extLst>
               <a:ext uri="{AF507438-7753-43e0-B8FC-AC1667EBCBE1}">
-                <a14:hiddenEffects xmlns="" xmlns:a14="http://schemas.microsoft.com/office/drawing/2010/main">
+                <a14:hiddenEffects xmlns:a14="http://schemas.microsoft.com/office/drawing/2010/main" xmlns="">
                   <a:effectLst>
                     <a:outerShdw dist="35921" dir="2700000" algn="ctr" rotWithShape="0">
                       <a:schemeClr val="bg2"/>
@@ -17306,7 +17366,7 @@
             <a:effectLst/>
             <a:extLst>
               <a:ext uri="{AF507438-7753-43e0-B8FC-AC1667EBCBE1}">
-                <a14:hiddenEffects xmlns="" xmlns:a14="http://schemas.microsoft.com/office/drawing/2010/main">
+                <a14:hiddenEffects xmlns:a14="http://schemas.microsoft.com/office/drawing/2010/main" xmlns="">
                   <a:effectLst>
                     <a:outerShdw dist="35921" dir="2700000" algn="ctr" rotWithShape="0">
                       <a:schemeClr val="bg2"/>
@@ -17402,7 +17462,7 @@
                   <a:effectLst/>
                   <a:extLst>
                     <a:ext uri="{AF507438-7753-43e0-B8FC-AC1667EBCBE1}">
-                      <a14:hiddenEffects xmlns="" xmlns:a14="http://schemas.microsoft.com/office/drawing/2010/main">
+                      <a14:hiddenEffects xmlns:a14="http://schemas.microsoft.com/office/drawing/2010/main" xmlns="">
                         <a:effectLst>
                           <a:outerShdw dist="35921" dir="2700000" algn="ctr" rotWithShape="0">
                             <a:schemeClr val="bg2"/>
@@ -17450,7 +17510,7 @@
                   <a:effectLst/>
                   <a:extLst>
                     <a:ext uri="{AF507438-7753-43e0-B8FC-AC1667EBCBE1}">
-                      <a14:hiddenEffects xmlns="" xmlns:a14="http://schemas.microsoft.com/office/drawing/2010/main">
+                      <a14:hiddenEffects xmlns:a14="http://schemas.microsoft.com/office/drawing/2010/main" xmlns="">
                         <a:effectLst>
                           <a:outerShdw dist="35921" dir="2700000" algn="ctr" rotWithShape="0">
                             <a:schemeClr val="bg2"/>
@@ -17493,7 +17553,7 @@
                   <a:effectLst/>
                   <a:extLst>
                     <a:ext uri="{91240B29-F687-4f45-9708-019B960494DF}">
-                      <a14:hiddenLine xmlns="" xmlns:a14="http://schemas.microsoft.com/office/drawing/2010/main" w="9525">
+                      <a14:hiddenLine xmlns:a14="http://schemas.microsoft.com/office/drawing/2010/main" xmlns="" w="9525">
                         <a:solidFill>
                           <a:schemeClr val="tx1"/>
                         </a:solidFill>
@@ -17503,7 +17563,7 @@
                       </a14:hiddenLine>
                     </a:ext>
                     <a:ext uri="{AF507438-7753-43e0-B8FC-AC1667EBCBE1}">
-                      <a14:hiddenEffects xmlns="" xmlns:a14="http://schemas.microsoft.com/office/drawing/2010/main">
+                      <a14:hiddenEffects xmlns:a14="http://schemas.microsoft.com/office/drawing/2010/main" xmlns="">
                         <a:effectLst>
                           <a:outerShdw dist="35921" dir="2700000" algn="ctr" rotWithShape="0">
                             <a:schemeClr val="bg2"/>
@@ -17568,7 +17628,7 @@
                   <a:effectLst/>
                   <a:extLst>
                     <a:ext uri="{AF507438-7753-43e0-B8FC-AC1667EBCBE1}">
-                      <a14:hiddenEffects xmlns="" xmlns:a14="http://schemas.microsoft.com/office/drawing/2010/main">
+                      <a14:hiddenEffects xmlns:a14="http://schemas.microsoft.com/office/drawing/2010/main" xmlns="">
                         <a:effectLst>
                           <a:outerShdw dist="35921" dir="2700000" algn="ctr" rotWithShape="0">
                             <a:schemeClr val="bg2"/>
@@ -17616,7 +17676,7 @@
                   <a:effectLst/>
                   <a:extLst>
                     <a:ext uri="{AF507438-7753-43e0-B8FC-AC1667EBCBE1}">
-                      <a14:hiddenEffects xmlns="" xmlns:a14="http://schemas.microsoft.com/office/drawing/2010/main">
+                      <a14:hiddenEffects xmlns:a14="http://schemas.microsoft.com/office/drawing/2010/main" xmlns="">
                         <a:effectLst>
                           <a:outerShdw dist="35921" dir="2700000" algn="ctr" rotWithShape="0">
                             <a:schemeClr val="bg2"/>
@@ -17659,7 +17719,7 @@
                   <a:effectLst/>
                   <a:extLst>
                     <a:ext uri="{91240B29-F687-4f45-9708-019B960494DF}">
-                      <a14:hiddenLine xmlns="" xmlns:a14="http://schemas.microsoft.com/office/drawing/2010/main" w="9525">
+                      <a14:hiddenLine xmlns:a14="http://schemas.microsoft.com/office/drawing/2010/main" xmlns="" w="9525">
                         <a:solidFill>
                           <a:schemeClr val="tx1"/>
                         </a:solidFill>
@@ -17669,7 +17729,7 @@
                       </a14:hiddenLine>
                     </a:ext>
                     <a:ext uri="{AF507438-7753-43e0-B8FC-AC1667EBCBE1}">
-                      <a14:hiddenEffects xmlns="" xmlns:a14="http://schemas.microsoft.com/office/drawing/2010/main">
+                      <a14:hiddenEffects xmlns:a14="http://schemas.microsoft.com/office/drawing/2010/main" xmlns="">
                         <a:effectLst>
                           <a:outerShdw dist="35921" dir="2700000" algn="ctr" rotWithShape="0">
                             <a:schemeClr val="bg2"/>
@@ -17848,14 +17908,14 @@
                   <a:effectLst/>
                   <a:extLst>
                     <a:ext uri="{909E8E84-426E-40dd-AFC4-6F175D3DCCD1}">
-                      <a14:hiddenFill xmlns="" xmlns:a14="http://schemas.microsoft.com/office/drawing/2010/main">
+                      <a14:hiddenFill xmlns:a14="http://schemas.microsoft.com/office/drawing/2010/main" xmlns="">
                         <a:solidFill>
                           <a:schemeClr val="accent1"/>
                         </a:solidFill>
                       </a14:hiddenFill>
                     </a:ext>
                     <a:ext uri="{AF507438-7753-43e0-B8FC-AC1667EBCBE1}">
-                      <a14:hiddenEffects xmlns="" xmlns:a14="http://schemas.microsoft.com/office/drawing/2010/main">
+                      <a14:hiddenEffects xmlns:a14="http://schemas.microsoft.com/office/drawing/2010/main" xmlns="">
                         <a:effectLst>
                           <a:outerShdw dist="35921" dir="2700000" algn="ctr" rotWithShape="0">
                             <a:schemeClr val="bg2"/>
@@ -17960,14 +18020,14 @@
                   <a:effectLst/>
                   <a:extLst>
                     <a:ext uri="{909E8E84-426E-40dd-AFC4-6F175D3DCCD1}">
-                      <a14:hiddenFill xmlns="" xmlns:a14="http://schemas.microsoft.com/office/drawing/2010/main">
+                      <a14:hiddenFill xmlns:a14="http://schemas.microsoft.com/office/drawing/2010/main" xmlns="">
                         <a:solidFill>
                           <a:schemeClr val="accent1"/>
                         </a:solidFill>
                       </a14:hiddenFill>
                     </a:ext>
                     <a:ext uri="{AF507438-7753-43e0-B8FC-AC1667EBCBE1}">
-                      <a14:hiddenEffects xmlns="" xmlns:a14="http://schemas.microsoft.com/office/drawing/2010/main">
+                      <a14:hiddenEffects xmlns:a14="http://schemas.microsoft.com/office/drawing/2010/main" xmlns="">
                         <a:effectLst>
                           <a:outerShdw dist="35921" dir="2700000" algn="ctr" rotWithShape="0">
                             <a:schemeClr val="bg2"/>
@@ -18104,14 +18164,14 @@
                   <a:effectLst/>
                   <a:extLst>
                     <a:ext uri="{909E8E84-426E-40dd-AFC4-6F175D3DCCD1}">
-                      <a14:hiddenFill xmlns="" xmlns:a14="http://schemas.microsoft.com/office/drawing/2010/main">
+                      <a14:hiddenFill xmlns:a14="http://schemas.microsoft.com/office/drawing/2010/main" xmlns="">
                         <a:solidFill>
                           <a:schemeClr val="accent1"/>
                         </a:solidFill>
                       </a14:hiddenFill>
                     </a:ext>
                     <a:ext uri="{AF507438-7753-43e0-B8FC-AC1667EBCBE1}">
-                      <a14:hiddenEffects xmlns="" xmlns:a14="http://schemas.microsoft.com/office/drawing/2010/main">
+                      <a14:hiddenEffects xmlns:a14="http://schemas.microsoft.com/office/drawing/2010/main" xmlns="">
                         <a:effectLst>
                           <a:outerShdw dist="35921" dir="2700000" algn="ctr" rotWithShape="0">
                             <a:schemeClr val="bg2"/>
@@ -18265,14 +18325,14 @@
                   <a:effectLst/>
                   <a:extLst>
                     <a:ext uri="{909E8E84-426E-40dd-AFC4-6F175D3DCCD1}">
-                      <a14:hiddenFill xmlns="" xmlns:a14="http://schemas.microsoft.com/office/drawing/2010/main">
+                      <a14:hiddenFill xmlns:a14="http://schemas.microsoft.com/office/drawing/2010/main" xmlns="">
                         <a:solidFill>
                           <a:schemeClr val="accent1"/>
                         </a:solidFill>
                       </a14:hiddenFill>
                     </a:ext>
                     <a:ext uri="{AF507438-7753-43e0-B8FC-AC1667EBCBE1}">
-                      <a14:hiddenEffects xmlns="" xmlns:a14="http://schemas.microsoft.com/office/drawing/2010/main">
+                      <a14:hiddenEffects xmlns:a14="http://schemas.microsoft.com/office/drawing/2010/main" xmlns="">
                         <a:effectLst>
                           <a:outerShdw dist="35921" dir="2700000" algn="ctr" rotWithShape="0">
                             <a:schemeClr val="bg2"/>
@@ -18361,14 +18421,14 @@
                   <a:effectLst/>
                   <a:extLst>
                     <a:ext uri="{909E8E84-426E-40dd-AFC4-6F175D3DCCD1}">
-                      <a14:hiddenFill xmlns="" xmlns:a14="http://schemas.microsoft.com/office/drawing/2010/main">
+                      <a14:hiddenFill xmlns:a14="http://schemas.microsoft.com/office/drawing/2010/main" xmlns="">
                         <a:solidFill>
                           <a:schemeClr val="accent1"/>
                         </a:solidFill>
                       </a14:hiddenFill>
                     </a:ext>
                     <a:ext uri="{AF507438-7753-43e0-B8FC-AC1667EBCBE1}">
-                      <a14:hiddenEffects xmlns="" xmlns:a14="http://schemas.microsoft.com/office/drawing/2010/main">
+                      <a14:hiddenEffects xmlns:a14="http://schemas.microsoft.com/office/drawing/2010/main" xmlns="">
                         <a:effectLst>
                           <a:outerShdw dist="35921" dir="2700000" algn="ctr" rotWithShape="0">
                             <a:schemeClr val="bg2"/>
@@ -18687,7 +18747,7 @@
             <a:effectLst/>
             <a:extLst>
               <a:ext uri="{AF507438-7753-43e0-B8FC-AC1667EBCBE1}">
-                <a14:hiddenEffects xmlns="" xmlns:a14="http://schemas.microsoft.com/office/drawing/2010/main">
+                <a14:hiddenEffects xmlns:a14="http://schemas.microsoft.com/office/drawing/2010/main" xmlns="">
                   <a:effectLst>
                     <a:outerShdw dist="35921" dir="2700000" algn="ctr" rotWithShape="0">
                       <a:schemeClr val="bg2"/>
@@ -18986,7 +19046,7 @@
             <a:effectLst/>
             <a:extLst>
               <a:ext uri="{AF507438-7753-43e0-B8FC-AC1667EBCBE1}">
-                <a14:hiddenEffects xmlns="" xmlns:a14="http://schemas.microsoft.com/office/drawing/2010/main">
+                <a14:hiddenEffects xmlns:a14="http://schemas.microsoft.com/office/drawing/2010/main" xmlns="">
                   <a:effectLst>
                     <a:outerShdw dist="35921" dir="2700000" algn="ctr" rotWithShape="0">
                       <a:schemeClr val="bg2"/>
@@ -19341,7 +19401,7 @@
             <a:effectLst/>
             <a:extLst>
               <a:ext uri="{AF507438-7753-43e0-B8FC-AC1667EBCBE1}">
-                <a14:hiddenEffects xmlns="" xmlns:a14="http://schemas.microsoft.com/office/drawing/2010/main">
+                <a14:hiddenEffects xmlns:a14="http://schemas.microsoft.com/office/drawing/2010/main" xmlns="">
                   <a:effectLst>
                     <a:outerShdw dist="35921" dir="2700000" algn="ctr" rotWithShape="0">
                       <a:schemeClr val="bg2"/>
@@ -19696,7 +19756,7 @@
             <a:effectLst/>
             <a:extLst>
               <a:ext uri="{AF507438-7753-43e0-B8FC-AC1667EBCBE1}">
-                <a14:hiddenEffects xmlns="" xmlns:a14="http://schemas.microsoft.com/office/drawing/2010/main">
+                <a14:hiddenEffects xmlns:a14="http://schemas.microsoft.com/office/drawing/2010/main" xmlns="">
                   <a:effectLst>
                     <a:outerShdw dist="35921" dir="2700000" algn="ctr" rotWithShape="0">
                       <a:schemeClr val="bg2"/>
@@ -20060,7 +20120,7 @@
             <a:effectLst/>
             <a:extLst>
               <a:ext uri="{AF507438-7753-43e0-B8FC-AC1667EBCBE1}">
-                <a14:hiddenEffects xmlns="" xmlns:a14="http://schemas.microsoft.com/office/drawing/2010/main">
+                <a14:hiddenEffects xmlns:a14="http://schemas.microsoft.com/office/drawing/2010/main" xmlns="">
                   <a:effectLst>
                     <a:outerShdw dist="35921" dir="2700000" algn="ctr" rotWithShape="0">
                       <a:schemeClr val="bg2"/>
@@ -20165,14 +20225,14 @@
               <a:effectLst/>
               <a:extLst>
                 <a:ext uri="{909E8E84-426E-40dd-AFC4-6F175D3DCCD1}">
-                  <a14:hiddenFill xmlns="" xmlns:a14="http://schemas.microsoft.com/office/drawing/2010/main">
+                  <a14:hiddenFill xmlns:a14="http://schemas.microsoft.com/office/drawing/2010/main" xmlns="">
                     <a:solidFill>
                       <a:schemeClr val="accent1"/>
                     </a:solidFill>
                   </a14:hiddenFill>
                 </a:ext>
                 <a:ext uri="{AF507438-7753-43e0-B8FC-AC1667EBCBE1}">
-                  <a14:hiddenEffects xmlns="" xmlns:a14="http://schemas.microsoft.com/office/drawing/2010/main">
+                  <a14:hiddenEffects xmlns:a14="http://schemas.microsoft.com/office/drawing/2010/main" xmlns="">
                     <a:effectLst>
                       <a:outerShdw dist="35921" dir="2700000" algn="ctr" rotWithShape="0">
                         <a:schemeClr val="bg2"/>
@@ -20261,14 +20321,14 @@
               <a:effectLst/>
               <a:extLst>
                 <a:ext uri="{909E8E84-426E-40dd-AFC4-6F175D3DCCD1}">
-                  <a14:hiddenFill xmlns="" xmlns:a14="http://schemas.microsoft.com/office/drawing/2010/main">
+                  <a14:hiddenFill xmlns:a14="http://schemas.microsoft.com/office/drawing/2010/main" xmlns="">
                     <a:solidFill>
                       <a:schemeClr val="accent1"/>
                     </a:solidFill>
                   </a14:hiddenFill>
                 </a:ext>
                 <a:ext uri="{AF507438-7753-43e0-B8FC-AC1667EBCBE1}">
-                  <a14:hiddenEffects xmlns="" xmlns:a14="http://schemas.microsoft.com/office/drawing/2010/main">
+                  <a14:hiddenEffects xmlns:a14="http://schemas.microsoft.com/office/drawing/2010/main" xmlns="">
                     <a:effectLst>
                       <a:outerShdw dist="35921" dir="2700000" algn="ctr" rotWithShape="0">
                         <a:schemeClr val="bg2"/>
@@ -20357,14 +20417,14 @@
               <a:effectLst/>
               <a:extLst>
                 <a:ext uri="{909E8E84-426E-40dd-AFC4-6F175D3DCCD1}">
-                  <a14:hiddenFill xmlns="" xmlns:a14="http://schemas.microsoft.com/office/drawing/2010/main">
+                  <a14:hiddenFill xmlns:a14="http://schemas.microsoft.com/office/drawing/2010/main" xmlns="">
                     <a:solidFill>
                       <a:schemeClr val="accent1"/>
                     </a:solidFill>
                   </a14:hiddenFill>
                 </a:ext>
                 <a:ext uri="{AF507438-7753-43e0-B8FC-AC1667EBCBE1}">
-                  <a14:hiddenEffects xmlns="" xmlns:a14="http://schemas.microsoft.com/office/drawing/2010/main">
+                  <a14:hiddenEffects xmlns:a14="http://schemas.microsoft.com/office/drawing/2010/main" xmlns="">
                     <a:effectLst>
                       <a:outerShdw dist="35921" dir="2700000" algn="ctr" rotWithShape="0">
                         <a:schemeClr val="bg2"/>
